--- a/Capstone Design/발표자료/중간발표/v1.pptx
+++ b/Capstone Design/발표자료/중간발표/v1.pptx
@@ -2,7 +2,7 @@
 <file path=ppt/presentation.xml><?xml version="1.0" encoding="utf-8"?>
 <p:presentation xmlns:r="http://schemas.openxmlformats.org/officeDocument/2006/relationships" xmlns:c="http://schemas.openxmlformats.org/drawingml/2006/chart" xmlns:a="http://schemas.openxmlformats.org/drawingml/2006/main" xmlns:dgm="http://schemas.openxmlformats.org/drawingml/2006/diagram" xmlns:dsp="http://schemas.microsoft.com/office/drawing/2008/diagram" xmlns:p="http://schemas.openxmlformats.org/presentationml/2006/main" showSpecialPlsOnTitleSld="0" strictFirstAndLastChars="0" autoCompressPictures="0">
   <p:sldMasterIdLst>
-    <p:sldMasterId id="2147483674" r:id="rId1"/>
+    <p:sldMasterId id="2147483654" r:id="rId1"/>
   </p:sldMasterIdLst>
   <p:notesMasterIdLst>
     <p:notesMasterId r:id="rId2"/>
@@ -6612,7 +6612,7 @@
         <p:spPr>
           <a:xfrm>
             <a:off x="893830" y="1542096"/>
-            <a:ext cx="7638740" cy="3280597"/>
+            <a:ext cx="7638740" cy="453590"/>
           </a:xfrm>
           <a:prstGeom prst="rect">
             <a:avLst/>
@@ -6691,49 +6691,32 @@
               <a:sym typeface="Lato"/>
             </a:endParaRPr>
           </a:p>
-          <a:p>
-            <a:pPr marL="285750" marR="0" lvl="0" indent="-285750" algn="l" rtl="0" eaLnBrk="1" latinLnBrk="0" hangingPunct="1">
-              <a:lnSpc>
-                <a:spcPct val="100000"/>
-              </a:lnSpc>
-              <a:spcBef>
-                <a:spcPts val="600"/>
-              </a:spcBef>
-              <a:spcAft>
-                <a:spcPts val="0"/>
-              </a:spcAft>
-              <a:buClr>
-                <a:srgbClr val="000000"/>
-              </a:buClr>
-              <a:buFont typeface="Arial"/>
-              <a:buFontTx/>
-              <a:buChar char="-"/>
-              <a:defRPr/>
-            </a:pPr>
-            <a:r>
-              <a:rPr xmlns:mc="http://schemas.openxmlformats.org/markup-compatibility/2006" xmlns:hp="http://schemas.haansoft.com/office/presentation/8.0" kumimoji="0" lang="ko-KR" altLang="en-US" sz="1500" b="0" i="0" u="none" strike="noStrike" kern="0" cap="none" spc="0" normalizeH="0" baseline="0" mc:Ignorable="hp" hp:hslEmbossed="0">
-                <a:solidFill>
-                  <a:srgbClr val="343a40"/>
-                </a:solidFill>
-                <a:latin typeface="Lato"/>
-                <a:ea typeface="Lato"/>
-                <a:cs typeface="Lato"/>
-                <a:sym typeface="Lato"/>
-              </a:rPr>
-              <a:t>여기에 이미지</a:t>
-            </a:r>
-            <a:endParaRPr xmlns:mc="http://schemas.openxmlformats.org/markup-compatibility/2006" xmlns:hp="http://schemas.haansoft.com/office/presentation/8.0" kumimoji="0" lang="ko-KR" altLang="en-US" sz="1500" b="0" i="0" u="none" strike="noStrike" kern="0" cap="none" spc="0" normalizeH="0" baseline="0" mc:Ignorable="hp" hp:hslEmbossed="0">
-              <a:solidFill>
-                <a:srgbClr val="343a40"/>
-              </a:solidFill>
-              <a:latin typeface="Lato"/>
-              <a:ea typeface="Lato"/>
-              <a:cs typeface="Lato"/>
-              <a:sym typeface="Lato"/>
-            </a:endParaRPr>
-          </a:p>
         </p:txBody>
       </p:sp>
+      <p:pic>
+        <p:nvPicPr>
+          <p:cNvPr id="99" name=""/>
+          <p:cNvPicPr>
+            <a:picLocks noChangeAspect="1"/>
+          </p:cNvPicPr>
+          <p:nvPr/>
+        </p:nvPicPr>
+        <p:blipFill rotWithShape="1">
+          <a:blip r:embed="rId3"/>
+          <a:stretch>
+            <a:fillRect/>
+          </a:stretch>
+        </p:blipFill>
+        <p:spPr>
+          <a:xfrm>
+            <a:off x="466725" y="3126457"/>
+            <a:ext cx="8210550" cy="1533525"/>
+          </a:xfrm>
+          <a:prstGeom prst="rect">
+            <a:avLst/>
+          </a:prstGeom>
+        </p:spPr>
+      </p:pic>
     </p:spTree>
   </p:cSld>
   <p:clrMapOvr>
@@ -7524,6 +7507,146 @@
               <a:sym typeface="Lato"/>
             </a:endParaRPr>
           </a:p>
+          <a:p>
+            <a:pPr marL="285750" lvl="0" indent="-285750">
+              <a:spcBef>
+                <a:spcPts val="600"/>
+              </a:spcBef>
+              <a:buFontTx/>
+              <a:buChar char="-"/>
+              <a:defRPr/>
+            </a:pPr>
+            <a:r>
+              <a:rPr lang="ko-KR" altLang="en-US" sz="1800" b="1">
+                <a:solidFill>
+                  <a:schemeClr val="tx1">
+                    <a:lumMod val="50000"/>
+                  </a:schemeClr>
+                </a:solidFill>
+                <a:latin typeface="Lato"/>
+                <a:ea typeface="Lato"/>
+                <a:cs typeface="Lato"/>
+                <a:sym typeface="Lato"/>
+              </a:rPr>
+              <a:t>게임 소개가 필요한가</a:t>
+            </a:r>
+            <a:r>
+              <a:rPr lang="en-US" altLang="ko-KR" sz="1800" b="1">
+                <a:solidFill>
+                  <a:schemeClr val="tx1">
+                    <a:lumMod val="50000"/>
+                  </a:schemeClr>
+                </a:solidFill>
+                <a:latin typeface="Lato"/>
+                <a:ea typeface="Lato"/>
+                <a:cs typeface="Lato"/>
+                <a:sym typeface="Lato"/>
+              </a:rPr>
+              <a:t>?</a:t>
+            </a:r>
+            <a:endParaRPr lang="en-US" altLang="ko-KR" sz="1800" b="1">
+              <a:solidFill>
+                <a:schemeClr val="tx1">
+                  <a:lumMod val="50000"/>
+                </a:schemeClr>
+              </a:solidFill>
+              <a:latin typeface="Lato"/>
+              <a:ea typeface="Lato"/>
+              <a:cs typeface="Lato"/>
+              <a:sym typeface="Lato"/>
+            </a:endParaRPr>
+          </a:p>
+          <a:p>
+            <a:pPr marL="285750" lvl="0" indent="-285750">
+              <a:spcBef>
+                <a:spcPts val="600"/>
+              </a:spcBef>
+              <a:buFontTx/>
+              <a:buChar char="-"/>
+              <a:defRPr/>
+            </a:pPr>
+            <a:r>
+              <a:rPr lang="ko-KR" altLang="en-US" sz="1800" b="1">
+                <a:solidFill>
+                  <a:schemeClr val="tx1">
+                    <a:lumMod val="50000"/>
+                  </a:schemeClr>
+                </a:solidFill>
+                <a:latin typeface="Lato"/>
+                <a:ea typeface="Lato"/>
+                <a:cs typeface="Lato"/>
+                <a:sym typeface="Lato"/>
+              </a:rPr>
+              <a:t>여기에 뭐 쓸까</a:t>
+            </a:r>
+            <a:endParaRPr lang="ko-KR" altLang="en-US" sz="1800" b="1">
+              <a:solidFill>
+                <a:schemeClr val="tx1">
+                  <a:lumMod val="50000"/>
+                </a:schemeClr>
+              </a:solidFill>
+              <a:latin typeface="Lato"/>
+              <a:ea typeface="Lato"/>
+              <a:cs typeface="Lato"/>
+              <a:sym typeface="Lato"/>
+            </a:endParaRPr>
+          </a:p>
+          <a:p>
+            <a:pPr marL="285750" lvl="0" indent="-285750">
+              <a:spcBef>
+                <a:spcPts val="600"/>
+              </a:spcBef>
+              <a:buFontTx/>
+              <a:buChar char="-"/>
+              <a:defRPr/>
+            </a:pPr>
+            <a:r>
+              <a:rPr lang="ko-KR" altLang="en-US" sz="1800" b="1">
+                <a:solidFill>
+                  <a:schemeClr val="tx1">
+                    <a:lumMod val="50000"/>
+                  </a:schemeClr>
+                </a:solidFill>
+                <a:latin typeface="Lato"/>
+                <a:ea typeface="Lato"/>
+                <a:cs typeface="Lato"/>
+                <a:sym typeface="Lato"/>
+              </a:rPr>
+              <a:t>그냥 대충 만들어보자</a:t>
+            </a:r>
+            <a:endParaRPr lang="ko-KR" altLang="en-US" sz="1800" b="1">
+              <a:solidFill>
+                <a:schemeClr val="tx1">
+                  <a:lumMod val="50000"/>
+                </a:schemeClr>
+              </a:solidFill>
+              <a:latin typeface="Lato"/>
+              <a:ea typeface="Lato"/>
+              <a:cs typeface="Lato"/>
+              <a:sym typeface="Lato"/>
+            </a:endParaRPr>
+          </a:p>
+          <a:p>
+            <a:pPr marL="285750" lvl="0" indent="-285750">
+              <a:spcBef>
+                <a:spcPts val="600"/>
+              </a:spcBef>
+              <a:buFontTx/>
+              <a:buChar char="-"/>
+              <a:defRPr/>
+            </a:pPr>
+            <a:endParaRPr lang="ko-KR" altLang="en-US" sz="1800" b="1">
+              <a:solidFill>
+                <a:schemeClr val="tx1">
+                  <a:lumMod val="50000"/>
+                </a:schemeClr>
+              </a:solidFill>
+              <a:latin typeface="Lato"/>
+              <a:ea typeface="Lato"/>
+              <a:cs typeface="Lato"/>
+              <a:sym typeface="Lato"/>
+            </a:endParaRPr>
+          </a:p>
         </p:txBody>
       </p:sp>
       <p:sp>
@@ -8063,6 +8186,59 @@
               <a:t>스키닝 애니메이션</a:t>
             </a:r>
             <a:endParaRPr xmlns:mc="http://schemas.openxmlformats.org/markup-compatibility/2006" xmlns:hp="http://schemas.haansoft.com/office/presentation/8.0" kumimoji="0" lang="ko-KR" altLang="en-US" sz="1600" b="1" i="0" u="none" strike="noStrike" kern="0" cap="none" spc="0" normalizeH="0" baseline="0" mc:Ignorable="hp" hp:hslEmbossed="0">
+              <a:solidFill>
+                <a:srgbClr val="343a40"/>
+              </a:solidFill>
+              <a:latin typeface="Lato"/>
+              <a:ea typeface="Lato"/>
+              <a:cs typeface="Lato"/>
+              <a:sym typeface="Lato"/>
+            </a:endParaRPr>
+          </a:p>
+          <a:p>
+            <a:pPr marL="285750" marR="0" lvl="0" indent="-285750" algn="l" rtl="0" eaLnBrk="1" latinLnBrk="0" hangingPunct="1">
+              <a:lnSpc>
+                <a:spcPct val="100000"/>
+              </a:lnSpc>
+              <a:spcBef>
+                <a:spcPts val="600"/>
+              </a:spcBef>
+              <a:spcAft>
+                <a:spcPts val="0"/>
+              </a:spcAft>
+              <a:buClr>
+                <a:srgbClr val="000000"/>
+              </a:buClr>
+              <a:buFont typeface="Arial"/>
+              <a:buFontTx/>
+              <a:buChar char="-"/>
+              <a:defRPr/>
+            </a:pPr>
+            <a:r>
+              <a:rPr xmlns:mc="http://schemas.openxmlformats.org/markup-compatibility/2006" xmlns:hp="http://schemas.haansoft.com/office/presentation/8.0" kumimoji="0" lang="ko-KR" altLang="en-US" sz="1600" b="1" i="0" u="none" strike="noStrike" kern="0" cap="none" spc="0" normalizeH="0" baseline="0" mc:Ignorable="hp" hp:hslEmbossed="0">
+                <a:solidFill>
+                  <a:srgbClr val="343a40"/>
+                </a:solidFill>
+                <a:latin typeface="Lato"/>
+                <a:ea typeface="Lato"/>
+                <a:cs typeface="Lato"/>
+                <a:sym typeface="Lato"/>
+              </a:rPr>
+              <a:t>렉돌 애니메이션</a:t>
+            </a:r>
+            <a:r>
+              <a:rPr xmlns:mc="http://schemas.openxmlformats.org/markup-compatibility/2006" xmlns:hp="http://schemas.haansoft.com/office/presentation/8.0" kumimoji="0" lang="en-US" altLang="ko-KR" sz="1600" b="1" i="0" u="none" strike="noStrike" kern="0" cap="none" spc="0" normalizeH="0" baseline="0" mc:Ignorable="hp" hp:hslEmbossed="0">
+                <a:solidFill>
+                  <a:srgbClr val="343a40"/>
+                </a:solidFill>
+                <a:latin typeface="Lato"/>
+                <a:ea typeface="Lato"/>
+                <a:cs typeface="Lato"/>
+                <a:sym typeface="Lato"/>
+              </a:rPr>
+              <a:t>??????</a:t>
+            </a:r>
+            <a:endParaRPr xmlns:mc="http://schemas.openxmlformats.org/markup-compatibility/2006" xmlns:hp="http://schemas.haansoft.com/office/presentation/8.0" kumimoji="0" lang="en-US" altLang="ko-KR" sz="1600" b="1" i="0" u="none" strike="noStrike" kern="0" cap="none" spc="0" normalizeH="0" baseline="0" mc:Ignorable="hp" hp:hslEmbossed="0">
               <a:solidFill>
                 <a:srgbClr val="343a40"/>
               </a:solidFill>
@@ -11177,7 +11353,7 @@
         <p:spPr>
           <a:xfrm>
             <a:off x="893830" y="1299989"/>
-            <a:ext cx="869858" cy="453590"/>
+            <a:ext cx="2598050" cy="453590"/>
           </a:xfrm>
           <a:prstGeom prst="rect">
             <a:avLst/>
@@ -11216,9 +11392,9 @@
                 <a:cs typeface="Lato"/>
                 <a:sym typeface="Lato"/>
               </a:rPr>
-              <a:t>모델링</a:t>
+              <a:t>프레임워크 제작</a:t>
             </a:r>
-            <a:endParaRPr lang="en-US" altLang="ko-KR" sz="1800" b="1">
+            <a:endParaRPr lang="ko-KR" altLang="en-US" sz="1800" b="1">
               <a:solidFill>
                 <a:schemeClr val="tx1">
                   <a:lumMod val="50000"/>
@@ -11389,6 +11565,70 @@
           </a:graphicData>
         </a:graphic>
       </p:graphicFrame>
+      <p:sp>
+        <p:nvSpPr>
+          <p:cNvPr id="11" name="Google Shape;94;p13"/>
+          <p:cNvSpPr txBox="1"/>
+          <p:nvPr/>
+        </p:nvSpPr>
+        <p:spPr>
+          <a:xfrm>
+            <a:off x="3491880" y="1299989"/>
+            <a:ext cx="2598050" cy="453590"/>
+          </a:xfrm>
+          <a:prstGeom prst="rect">
+            <a:avLst/>
+          </a:prstGeom>
+          <a:noFill/>
+          <a:ln>
+            <a:noFill/>
+          </a:ln>
+        </p:spPr>
+        <p:txBody>
+          <a:bodyPr wrap="square" lIns="91424" tIns="91424" rIns="91424" bIns="91424" anchor="t" anchorCtr="0">
+            <a:noAutofit/>
+          </a:bodyPr>
+          <a:lstStyle/>
+          <a:p>
+            <a:pPr marL="0" lvl="0" indent="0" algn="l" rtl="0">
+              <a:spcBef>
+                <a:spcPts val="600"/>
+              </a:spcBef>
+              <a:spcAft>
+                <a:spcPts val="0"/>
+              </a:spcAft>
+              <a:buFontTx/>
+              <a:buNone/>
+              <a:defRPr/>
+            </a:pPr>
+            <a:r>
+              <a:rPr lang="ko-KR" altLang="en-US" sz="1800" b="1">
+                <a:solidFill>
+                  <a:schemeClr val="tx1">
+                    <a:lumMod val="50000"/>
+                  </a:schemeClr>
+                </a:solidFill>
+                <a:latin typeface="Lato"/>
+                <a:ea typeface="Lato"/>
+                <a:cs typeface="Lato"/>
+                <a:sym typeface="Lato"/>
+              </a:rPr>
+              <a:t>게임 로직 구현</a:t>
+            </a:r>
+            <a:endParaRPr lang="ko-KR" altLang="en-US" sz="1800" b="1">
+              <a:solidFill>
+                <a:schemeClr val="tx1">
+                  <a:lumMod val="50000"/>
+                </a:schemeClr>
+              </a:solidFill>
+              <a:latin typeface="Lato"/>
+              <a:ea typeface="Lato"/>
+              <a:cs typeface="Lato"/>
+              <a:sym typeface="Lato"/>
+            </a:endParaRPr>
+          </a:p>
+        </p:txBody>
+      </p:sp>
     </p:spTree>
   </p:cSld>
   <p:clrMapOvr>
@@ -11593,7 +11833,7 @@
         <p:spPr>
           <a:xfrm>
             <a:off x="893830" y="1299989"/>
-            <a:ext cx="869858" cy="453590"/>
+            <a:ext cx="1373914" cy="453590"/>
           </a:xfrm>
           <a:prstGeom prst="rect">
             <a:avLst/>
@@ -11636,9 +11876,9 @@
                 <a:cs typeface="Lato"/>
                 <a:sym typeface="Lato"/>
               </a:rPr>
-              <a:t>모델링</a:t>
+              <a:t>셰이더 구현</a:t>
             </a:r>
-            <a:endParaRPr xmlns:mc="http://schemas.openxmlformats.org/markup-compatibility/2006" xmlns:hp="http://schemas.haansoft.com/office/presentation/8.0" kumimoji="0" lang="en-US" altLang="ko-KR" sz="1800" b="1" i="0" u="none" strike="noStrike" kern="0" cap="none" spc="0" normalizeH="0" baseline="0" mc:Ignorable="hp" hp:hslEmbossed="0">
+            <a:endParaRPr xmlns:mc="http://schemas.openxmlformats.org/markup-compatibility/2006" xmlns:hp="http://schemas.haansoft.com/office/presentation/8.0" kumimoji="0" lang="ko-KR" altLang="en-US" sz="1800" b="1" i="0" u="none" strike="noStrike" kern="0" cap="none" spc="0" normalizeH="0" baseline="0" mc:Ignorable="hp" hp:hslEmbossed="0">
               <a:solidFill>
                 <a:srgbClr val="343a40"/>
               </a:solidFill>
@@ -11856,109 +12096,138 @@
           </a:graphicData>
         </a:graphic>
       </p:graphicFrame>
-      <p:graphicFrame>
-        <p:nvGraphicFramePr>
-          <p:cNvPr id="98" name="표 44"/>
-          <p:cNvGraphicFramePr>
-            <a:graphicFrameLocks noGrp="1"/>
-          </p:cNvGraphicFramePr>
+      <p:sp>
+        <p:nvSpPr>
+          <p:cNvPr id="99" name="Google Shape;94;p13"/>
+          <p:cNvSpPr txBox="1"/>
           <p:nvPr/>
-        </p:nvGraphicFramePr>
-        <p:xfrm>
-          <a:off x="4774307" y="1595227"/>
-          <a:ext cx="1818962" cy="2920738"/>
-        </p:xfrm>
-        <a:graphic>
-          <a:graphicData uri="http://schemas.openxmlformats.org/drawingml/2006/table">
-            <a:tbl>
-              <a:tblPr firstRow="1" bandRow="1">
-                <a:tableStyleId>{77C95F03-0CCA-47FF-B4B6-37FC9320E24F}</a:tableStyleId>
-              </a:tblPr>
-              <a:tblGrid>
-                <a:gridCol w="1818962"/>
-              </a:tblGrid>
-              <a:tr h="2920738">
-                <a:tc>
-                  <a:txBody>
-                    <a:bodyPr vert="horz" lIns="91440" tIns="45720" rIns="91440" bIns="45720" anchor="t" anchorCtr="0"/>
-                    <a:p>
-                      <a:pPr marR="0" lvl="0" algn="l" rtl="0" latinLnBrk="1">
-                        <a:lnSpc>
-                          <a:spcPct val="100000"/>
-                        </a:lnSpc>
-                        <a:spcBef>
-                          <a:spcPts val="0"/>
-                        </a:spcBef>
-                        <a:spcAft>
-                          <a:spcPts val="0"/>
-                        </a:spcAft>
-                        <a:buClr>
-                          <a:srgbClr val="000000"/>
-                        </a:buClr>
-                        <a:buFont typeface="Arial"/>
-                        <a:buNone/>
-                        <a:defRPr/>
-                      </a:pPr>
-                      <a:endParaRPr xmlns:mc="http://schemas.openxmlformats.org/markup-compatibility/2006" xmlns:hp="http://schemas.haansoft.com/office/presentation/8.0" kumimoji="0" lang="ko-KR" altLang="en-US" sz="1400" b="0" i="0" u="none" strike="noStrike" kern="0" cap="none" normalizeH="0" baseline="0" mc:Ignorable="hp" hp:hslEmbossed="0">
-                        <a:solidFill>
-                          <a:srgbClr val="000000"/>
-                        </a:solidFill>
-                        <a:latin typeface="Arial"/>
-                        <a:ea typeface="Arial"/>
-                        <a:cs typeface="Arial"/>
-                      </a:endParaRPr>
-                    </a:p>
-                  </a:txBody>
-                  <a:tcPr marL="91440" marR="91440">
-                    <a:lnL w="9525" cap="flat" cmpd="sng">
-                      <a:solidFill>
-                        <a:srgbClr val="000000">
-                          <a:alpha val="100000"/>
-                        </a:srgbClr>
-                      </a:solidFill>
-                      <a:prstDash val="solid"/>
-                      <a:round/>
-                    </a:lnL>
-                    <a:lnR w="9525" cap="flat" cmpd="sng">
-                      <a:solidFill>
-                        <a:srgbClr val="000000">
-                          <a:alpha val="100000"/>
-                        </a:srgbClr>
-                      </a:solidFill>
-                      <a:prstDash val="solid"/>
-                      <a:round/>
-                    </a:lnR>
-                    <a:lnT w="9525" cap="flat" cmpd="sng">
-                      <a:solidFill>
-                        <a:srgbClr val="000000">
-                          <a:alpha val="100000"/>
-                        </a:srgbClr>
-                      </a:solidFill>
-                      <a:prstDash val="solid"/>
-                      <a:round/>
-                    </a:lnT>
-                    <a:lnB w="9525" cap="flat" cmpd="sng">
-                      <a:solidFill>
-                        <a:srgbClr val="000000">
-                          <a:alpha val="100000"/>
-                        </a:srgbClr>
-                      </a:solidFill>
-                      <a:prstDash val="solid"/>
-                      <a:round/>
-                    </a:lnB>
-                    <a:blipFill rotWithShape="1">
-                      <a:blip r:embed="rId5"/>
-                      <a:stretch>
-                        <a:fillRect/>
-                      </a:stretch>
-                    </a:blipFill>
-                  </a:tcPr>
-                </a:tc>
-              </a:tr>
-            </a:tbl>
-          </a:graphicData>
-        </a:graphic>
-      </p:graphicFrame>
+        </p:nvSpPr>
+        <p:spPr>
+          <a:xfrm>
+            <a:off x="2267744" y="1299989"/>
+            <a:ext cx="1800200" cy="453590"/>
+          </a:xfrm>
+          <a:prstGeom prst="rect">
+            <a:avLst/>
+          </a:prstGeom>
+          <a:noFill/>
+          <a:ln>
+            <a:noFill/>
+          </a:ln>
+        </p:spPr>
+        <p:txBody>
+          <a:bodyPr wrap="square" lIns="91424" tIns="91424" rIns="91424" bIns="91424" anchor="t" anchorCtr="0">
+            <a:noAutofit/>
+          </a:bodyPr>
+          <a:p>
+            <a:pPr marL="0" marR="0" lvl="0" indent="0" algn="l" rtl="0" eaLnBrk="1" latinLnBrk="0" hangingPunct="1">
+              <a:lnSpc>
+                <a:spcPct val="100000"/>
+              </a:lnSpc>
+              <a:spcBef>
+                <a:spcPts val="600"/>
+              </a:spcBef>
+              <a:spcAft>
+                <a:spcPts val="0"/>
+              </a:spcAft>
+              <a:buClr>
+                <a:srgbClr val="000000"/>
+              </a:buClr>
+              <a:buFont typeface="Arial"/>
+              <a:buFontTx/>
+              <a:buNone/>
+              <a:defRPr/>
+            </a:pPr>
+            <a:r>
+              <a:rPr xmlns:mc="http://schemas.openxmlformats.org/markup-compatibility/2006" xmlns:hp="http://schemas.haansoft.com/office/presentation/8.0" kumimoji="0" lang="ko-KR" altLang="en-US" sz="1800" b="1" i="0" u="none" strike="noStrike" kern="0" cap="none" spc="0" normalizeH="0" baseline="0" mc:Ignorable="hp" hp:hslEmbossed="0">
+                <a:solidFill>
+                  <a:srgbClr val="343a40"/>
+                </a:solidFill>
+                <a:latin typeface="Lato"/>
+                <a:ea typeface="Lato"/>
+                <a:cs typeface="Lato"/>
+                <a:sym typeface="Lato"/>
+              </a:rPr>
+              <a:t>게임 로직 구현</a:t>
+            </a:r>
+            <a:endParaRPr xmlns:mc="http://schemas.openxmlformats.org/markup-compatibility/2006" xmlns:hp="http://schemas.haansoft.com/office/presentation/8.0" kumimoji="0" lang="ko-KR" altLang="en-US" sz="1800" b="1" i="0" u="none" strike="noStrike" kern="0" cap="none" spc="0" normalizeH="0" baseline="0" mc:Ignorable="hp" hp:hslEmbossed="0">
+              <a:solidFill>
+                <a:srgbClr val="343a40"/>
+              </a:solidFill>
+              <a:latin typeface="Lato"/>
+              <a:ea typeface="Lato"/>
+              <a:cs typeface="Lato"/>
+              <a:sym typeface="Lato"/>
+            </a:endParaRPr>
+          </a:p>
+        </p:txBody>
+      </p:sp>
+      <p:sp>
+        <p:nvSpPr>
+          <p:cNvPr id="100" name="Google Shape;94;p13"/>
+          <p:cNvSpPr txBox="1"/>
+          <p:nvPr/>
+        </p:nvSpPr>
+        <p:spPr>
+          <a:xfrm>
+            <a:off x="4067944" y="1299989"/>
+            <a:ext cx="2160240" cy="453590"/>
+          </a:xfrm>
+          <a:prstGeom prst="rect">
+            <a:avLst/>
+          </a:prstGeom>
+          <a:noFill/>
+          <a:ln>
+            <a:noFill/>
+          </a:ln>
+        </p:spPr>
+        <p:txBody>
+          <a:bodyPr wrap="square" lIns="91424" tIns="91424" rIns="91424" bIns="91424" anchor="t" anchorCtr="0">
+            <a:noAutofit/>
+          </a:bodyPr>
+          <a:p>
+            <a:pPr marL="0" marR="0" lvl="0" indent="0" algn="l" rtl="0" eaLnBrk="1" latinLnBrk="0" hangingPunct="1">
+              <a:lnSpc>
+                <a:spcPct val="100000"/>
+              </a:lnSpc>
+              <a:spcBef>
+                <a:spcPts val="600"/>
+              </a:spcBef>
+              <a:spcAft>
+                <a:spcPts val="0"/>
+              </a:spcAft>
+              <a:buClr>
+                <a:srgbClr val="000000"/>
+              </a:buClr>
+              <a:buFont typeface="Arial"/>
+              <a:buFontTx/>
+              <a:buNone/>
+              <a:defRPr/>
+            </a:pPr>
+            <a:r>
+              <a:rPr xmlns:mc="http://schemas.openxmlformats.org/markup-compatibility/2006" xmlns:hp="http://schemas.haansoft.com/office/presentation/8.0" kumimoji="0" lang="ko-KR" altLang="en-US" sz="1800" b="1" i="0" u="none" strike="noStrike" kern="0" cap="none" spc="0" normalizeH="0" baseline="0" mc:Ignorable="hp" hp:hslEmbossed="0">
+                <a:solidFill>
+                  <a:srgbClr val="343a40"/>
+                </a:solidFill>
+                <a:latin typeface="Lato"/>
+                <a:ea typeface="Lato"/>
+                <a:cs typeface="Lato"/>
+                <a:sym typeface="Lato"/>
+              </a:rPr>
+              <a:t>파티클 패턴 제작</a:t>
+            </a:r>
+            <a:endParaRPr xmlns:mc="http://schemas.openxmlformats.org/markup-compatibility/2006" xmlns:hp="http://schemas.haansoft.com/office/presentation/8.0" kumimoji="0" lang="ko-KR" altLang="en-US" sz="1800" b="1" i="0" u="none" strike="noStrike" kern="0" cap="none" spc="0" normalizeH="0" baseline="0" mc:Ignorable="hp" hp:hslEmbossed="0">
+              <a:solidFill>
+                <a:srgbClr val="343a40"/>
+              </a:solidFill>
+              <a:latin typeface="Lato"/>
+              <a:ea typeface="Lato"/>
+              <a:cs typeface="Lato"/>
+              <a:sym typeface="Lato"/>
+            </a:endParaRPr>
+          </a:p>
+        </p:txBody>
+      </p:sp>
     </p:spTree>
   </p:cSld>
   <p:clrMapOvr>
